--- a/StatsClubWorkshopSlides.pptx
+++ b/StatsClubWorkshopSlides.pptx
@@ -216,7 +216,7 @@
           <a:p>
             <a:fld id="{7546314F-1995-C94C-A6C7-1258E08891A1}" type="datetimeFigureOut">
               <a:rPr lang="en-US" smtClean="0"/>
-              <a:t>9/21/17</a:t>
+              <a:t>9/25/17</a:t>
             </a:fld>
             <a:endParaRPr lang="en-US"/>
           </a:p>
@@ -785,7 +785,7 @@
           <a:p>
             <a:fld id="{969E5B3D-10E2-374E-89E1-D76DF1BB5247}" type="datetimeFigureOut">
               <a:rPr lang="en-US" smtClean="0"/>
-              <a:t>9/21/17</a:t>
+              <a:t>9/25/17</a:t>
             </a:fld>
             <a:endParaRPr lang="en-US"/>
           </a:p>
@@ -1050,7 +1050,7 @@
           <a:p>
             <a:fld id="{969E5B3D-10E2-374E-89E1-D76DF1BB5247}" type="datetimeFigureOut">
               <a:rPr lang="en-US" smtClean="0"/>
-              <a:t>9/21/17</a:t>
+              <a:t>9/25/17</a:t>
             </a:fld>
             <a:endParaRPr lang="en-US"/>
           </a:p>
@@ -1284,7 +1284,7 @@
           <a:p>
             <a:fld id="{969E5B3D-10E2-374E-89E1-D76DF1BB5247}" type="datetimeFigureOut">
               <a:rPr lang="en-US" smtClean="0"/>
-              <a:t>9/21/17</a:t>
+              <a:t>9/25/17</a:t>
             </a:fld>
             <a:endParaRPr lang="en-US"/>
           </a:p>
@@ -1628,7 +1628,7 @@
           <a:p>
             <a:fld id="{585D8CC6-5F22-9F42-B211-D5B31A73C596}" type="datetimeFigureOut">
               <a:rPr lang="en-US" smtClean="0"/>
-              <a:t>9/21/17</a:t>
+              <a:t>9/25/17</a:t>
             </a:fld>
             <a:endParaRPr lang="en-US"/>
           </a:p>
@@ -1893,7 +1893,7 @@
           <a:p>
             <a:fld id="{585D8CC6-5F22-9F42-B211-D5B31A73C596}" type="datetimeFigureOut">
               <a:rPr lang="en-US" smtClean="0"/>
-              <a:t>9/21/17</a:t>
+              <a:t>9/25/17</a:t>
             </a:fld>
             <a:endParaRPr lang="en-US"/>
           </a:p>
@@ -2123,7 +2123,7 @@
           <a:p>
             <a:fld id="{585D8CC6-5F22-9F42-B211-D5B31A73C596}" type="datetimeFigureOut">
               <a:rPr lang="en-US" smtClean="0"/>
-              <a:t>9/21/17</a:t>
+              <a:t>9/25/17</a:t>
             </a:fld>
             <a:endParaRPr lang="en-US"/>
           </a:p>
@@ -2321,7 +2321,7 @@
             <a:fld id="{969E5B3D-10E2-374E-89E1-D76DF1BB5247}" type="datetimeFigureOut">
               <a:rPr lang="en-US" smtClean="0"/>
               <a:pPr/>
-              <a:t>9/21/17</a:t>
+              <a:t>9/25/17</a:t>
             </a:fld>
             <a:endParaRPr lang="en-US" dirty="0"/>
           </a:p>
@@ -2792,7 +2792,7 @@
             <a:fld id="{585D8CC6-5F22-9F42-B211-D5B31A73C596}" type="datetimeFigureOut">
               <a:rPr lang="en-US" smtClean="0"/>
               <a:pPr/>
-              <a:t>9/21/17</a:t>
+              <a:t>9/25/17</a:t>
             </a:fld>
             <a:endParaRPr lang="en-US" dirty="0"/>
           </a:p>
@@ -3130,16 +3130,50 @@
             <p:ph type="ctrTitle"/>
           </p:nvPr>
         </p:nvSpPr>
-        <p:spPr/>
-        <p:txBody>
-          <a:bodyPr/>
+        <p:spPr>
+          <a:xfrm>
+            <a:off x="0" y="2130425"/>
+            <a:ext cx="9144000" cy="1470025"/>
+          </a:xfrm>
+        </p:spPr>
+        <p:txBody>
+          <a:bodyPr>
+            <a:normAutofit fontScale="90000"/>
+          </a:bodyPr>
           <a:lstStyle/>
           <a:p>
             <a:r>
               <a:rPr lang="en-US" dirty="0" smtClean="0"/>
-              <a:t>Intro to Python</a:t>
-            </a:r>
-            <a:endParaRPr lang="en-US" dirty="0"/>
+              <a:t>Intro to </a:t>
+            </a:r>
+            <a:r>
+              <a:rPr lang="en-US" dirty="0" smtClean="0"/>
+              <a:t>Python</a:t>
+            </a:r>
+            <a:br>
+              <a:rPr lang="en-US" dirty="0" smtClean="0"/>
+            </a:br>
+            <a:r>
+              <a:rPr lang="en-US" sz="2700" dirty="0"/>
+              <a:t>(https://</a:t>
+            </a:r>
+            <a:r>
+              <a:rPr lang="en-US" sz="2700" dirty="0" err="1" smtClean="0"/>
+              <a:t>github.com</a:t>
+            </a:r>
+            <a:r>
+              <a:rPr lang="en-US" sz="2700" dirty="0" smtClean="0"/>
+              <a:t>/</a:t>
+            </a:r>
+            <a:r>
+              <a:rPr lang="en-US" sz="2700" dirty="0" err="1" smtClean="0"/>
+              <a:t>elliewix</a:t>
+            </a:r>
+            <a:r>
+              <a:rPr lang="en-US" sz="2700" dirty="0" smtClean="0"/>
+              <a:t>/Fall2017-StatsClub-IntroToPython)</a:t>
+            </a:r>
+            <a:endParaRPr lang="en-US" sz="2700" dirty="0"/>
           </a:p>
         </p:txBody>
       </p:sp>
@@ -3685,7 +3719,11 @@
           <a:p>
             <a:r>
               <a:rPr lang="en-US" dirty="0" smtClean="0"/>
-              <a:t>Into to Python (Stats Club)</a:t>
+              <a:t>Intro </a:t>
+            </a:r>
+            <a:r>
+              <a:rPr lang="en-US" dirty="0" smtClean="0"/>
+              <a:t>to Python (Stats Club)</a:t>
             </a:r>
             <a:endParaRPr lang="en-US" dirty="0"/>
           </a:p>
@@ -3829,7 +3867,7 @@
         <p:spPr/>
         <p:txBody>
           <a:bodyPr>
-            <a:normAutofit fontScale="92500" lnSpcReduction="20000"/>
+            <a:normAutofit fontScale="92500" lnSpcReduction="10000"/>
           </a:bodyPr>
           <a:lstStyle/>
           <a:p>
@@ -3868,6 +3906,7 @@
             </a:r>
           </a:p>
           <a:p>
+            <a:pPr lvl="1"/>
             <a:r>
               <a:rPr lang="en-US" dirty="0" smtClean="0"/>
               <a:t>But you’ll usually have to import some extra things</a:t>
